--- a/Proyecto Gimnasio .pptx
+++ b/Proyecto Gimnasio .pptx
@@ -293,7 +293,7 @@
       </p15:sldGuideLst>
     </p:ext>
     <p:ext uri="http://customooxmlschemas.google.com/">
-      <go:slidesCustomData xmlns="" xmlns:mc="http://schemas.openxmlformats.org/markup-compatibility/2006" xmlns:mv="urn:schemas-microsoft-com:mac:vml" xmlns:c="http://schemas.openxmlformats.org/drawingml/2006/chart" xmlns:dgm="http://schemas.openxmlformats.org/drawingml/2006/diagram" xmlns:o="urn:schemas-microsoft-com:office:office" xmlns:v="urn:schemas-microsoft-com:vml" xmlns:pvml="urn:schemas-microsoft-com:office:powerpoint" xmlns:com="http://schemas.openxmlformats.org/drawingml/2006/compatibility" xmlns:p14="http://schemas.microsoft.com/office/powerpoint/2010/main" xmlns:p15="http://schemas.microsoft.com/office/powerpoint/2012/main" xmlns:go="http://customooxmlschemas.google.com/" r:id="rId26" roundtripDataSignature="AMtx7mjCBmkgbaa+hjWysShOCvSOCfWzXg=="/>
+      <go:slidesCustomData xmlns:go="http://customooxmlschemas.google.com/" xmlns:p15="http://schemas.microsoft.com/office/powerpoint/2012/main" xmlns:p14="http://schemas.microsoft.com/office/powerpoint/2010/main" xmlns:com="http://schemas.openxmlformats.org/drawingml/2006/compatibility" xmlns:pvml="urn:schemas-microsoft-com:office:powerpoint" xmlns:v="urn:schemas-microsoft-com:vml" xmlns:o="urn:schemas-microsoft-com:office:office" xmlns:dgm="http://schemas.openxmlformats.org/drawingml/2006/diagram" xmlns:c="http://schemas.openxmlformats.org/drawingml/2006/chart" xmlns:mv="urn:schemas-microsoft-com:mac:vml" xmlns:mc="http://schemas.openxmlformats.org/markup-compatibility/2006" xmlns="" r:id="rId26" roundtripDataSignature="AMtx7mjCBmkgbaa+hjWysShOCvSOCfWzXg=="/>
     </p:ext>
   </p:extLst>
 </p:presentation>
@@ -13507,7 +13507,7 @@
         <p:spPr>
           <a:xfrm>
             <a:off x="654424" y="1685366"/>
-            <a:ext cx="6615953" cy="3323987"/>
+            <a:ext cx="6615953" cy="2954615"/>
           </a:xfrm>
           <a:prstGeom prst="rect">
             <a:avLst/>
@@ -13650,71 +13650,6 @@
                 <a:sym typeface="Arial"/>
               </a:rPr>
               <a:t>Isabela Tapias Jiménez.</a:t>
-            </a:r>
-            <a:endParaRPr dirty="0"/>
-          </a:p>
-          <a:p>
-            <a:pPr marL="285750" marR="0" lvl="0" indent="-285750" algn="l" rtl="0">
-              <a:spcBef>
-                <a:spcPts val="0"/>
-              </a:spcBef>
-              <a:spcAft>
-                <a:spcPts val="0"/>
-              </a:spcAft>
-              <a:buClr>
-                <a:schemeClr val="dk1"/>
-              </a:buClr>
-              <a:buSzPts val="2400"/>
-              <a:buFont typeface="Arial"/>
-              <a:buChar char="•"/>
-            </a:pPr>
-            <a:r>
-              <a:rPr lang="es-ES" sz="2400" dirty="0" err="1">
-                <a:solidFill>
-                  <a:schemeClr val="dk1"/>
-                </a:solidFill>
-                <a:latin typeface="Arial"/>
-                <a:ea typeface="Arial"/>
-                <a:cs typeface="Arial"/>
-                <a:sym typeface="Arial"/>
-              </a:rPr>
-              <a:t>Jessid</a:t>
-            </a:r>
-            <a:r>
-              <a:rPr lang="es-ES" sz="2400" dirty="0">
-                <a:solidFill>
-                  <a:schemeClr val="dk1"/>
-                </a:solidFill>
-                <a:latin typeface="Arial"/>
-                <a:ea typeface="Arial"/>
-                <a:cs typeface="Arial"/>
-                <a:sym typeface="Arial"/>
-              </a:rPr>
-              <a:t> </a:t>
-            </a:r>
-            <a:r>
-              <a:rPr lang="es-ES" sz="2400" dirty="0" err="1">
-                <a:solidFill>
-                  <a:schemeClr val="dk1"/>
-                </a:solidFill>
-                <a:latin typeface="Arial"/>
-                <a:ea typeface="Arial"/>
-                <a:cs typeface="Arial"/>
-                <a:sym typeface="Arial"/>
-              </a:rPr>
-              <a:t>Guayacundo</a:t>
-            </a:r>
-            <a:r>
-              <a:rPr lang="es-ES" sz="2400" dirty="0">
-                <a:solidFill>
-                  <a:schemeClr val="dk1"/>
-                </a:solidFill>
-                <a:latin typeface="Arial"/>
-                <a:ea typeface="Arial"/>
-                <a:cs typeface="Arial"/>
-                <a:sym typeface="Arial"/>
-              </a:rPr>
-              <a:t> Vargas</a:t>
             </a:r>
             <a:endParaRPr dirty="0"/>
           </a:p>
